--- a/devops_pre_srb/templates/pptx/template.pptx
+++ b/devops_pre_srb/templates/pptx/template.pptx
@@ -288,7 +288,7 @@
           <a:p>
             <a:fld id="{5BCAD085-E8A6-8845-BD4E-CB4CCA059FC4}" type="datetimeFigureOut">
               <a:rPr lang="en-US" smtClean="0"/>
-              <a:t>9/18/2018</a:t>
+              <a:t>9/20/2018</a:t>
             </a:fld>
             <a:endParaRPr lang="en-US"/>
           </a:p>
@@ -458,7 +458,7 @@
           <a:p>
             <a:fld id="{5BCAD085-E8A6-8845-BD4E-CB4CCA059FC4}" type="datetimeFigureOut">
               <a:rPr lang="en-US" smtClean="0"/>
-              <a:t>9/18/2018</a:t>
+              <a:t>9/20/2018</a:t>
             </a:fld>
             <a:endParaRPr lang="en-US"/>
           </a:p>
@@ -638,7 +638,7 @@
           <a:p>
             <a:fld id="{5BCAD085-E8A6-8845-BD4E-CB4CCA059FC4}" type="datetimeFigureOut">
               <a:rPr lang="en-US" smtClean="0"/>
-              <a:t>9/18/2018</a:t>
+              <a:t>9/20/2018</a:t>
             </a:fld>
             <a:endParaRPr lang="en-US"/>
           </a:p>
@@ -808,7 +808,7 @@
           <a:p>
             <a:fld id="{5BCAD085-E8A6-8845-BD4E-CB4CCA059FC4}" type="datetimeFigureOut">
               <a:rPr lang="en-US" smtClean="0"/>
-              <a:t>9/18/2018</a:t>
+              <a:t>9/20/2018</a:t>
             </a:fld>
             <a:endParaRPr lang="en-US"/>
           </a:p>
@@ -1054,7 +1054,7 @@
           <a:p>
             <a:fld id="{5BCAD085-E8A6-8845-BD4E-CB4CCA059FC4}" type="datetimeFigureOut">
               <a:rPr lang="en-US" smtClean="0"/>
-              <a:t>9/18/2018</a:t>
+              <a:t>9/20/2018</a:t>
             </a:fld>
             <a:endParaRPr lang="en-US"/>
           </a:p>
@@ -1342,7 +1342,7 @@
           <a:p>
             <a:fld id="{5BCAD085-E8A6-8845-BD4E-CB4CCA059FC4}" type="datetimeFigureOut">
               <a:rPr lang="en-US" smtClean="0"/>
-              <a:t>9/18/2018</a:t>
+              <a:t>9/20/2018</a:t>
             </a:fld>
             <a:endParaRPr lang="en-US"/>
           </a:p>
@@ -1764,7 +1764,7 @@
           <a:p>
             <a:fld id="{5BCAD085-E8A6-8845-BD4E-CB4CCA059FC4}" type="datetimeFigureOut">
               <a:rPr lang="en-US" smtClean="0"/>
-              <a:t>9/18/2018</a:t>
+              <a:t>9/20/2018</a:t>
             </a:fld>
             <a:endParaRPr lang="en-US"/>
           </a:p>
@@ -1882,7 +1882,7 @@
           <a:p>
             <a:fld id="{5BCAD085-E8A6-8845-BD4E-CB4CCA059FC4}" type="datetimeFigureOut">
               <a:rPr lang="en-US" smtClean="0"/>
-              <a:t>9/18/2018</a:t>
+              <a:t>9/20/2018</a:t>
             </a:fld>
             <a:endParaRPr lang="en-US"/>
           </a:p>
@@ -1977,7 +1977,7 @@
           <a:p>
             <a:fld id="{5BCAD085-E8A6-8845-BD4E-CB4CCA059FC4}" type="datetimeFigureOut">
               <a:rPr lang="en-US" smtClean="0"/>
-              <a:t>9/18/2018</a:t>
+              <a:t>9/20/2018</a:t>
             </a:fld>
             <a:endParaRPr lang="en-US"/>
           </a:p>
@@ -2254,7 +2254,7 @@
           <a:p>
             <a:fld id="{5BCAD085-E8A6-8845-BD4E-CB4CCA059FC4}" type="datetimeFigureOut">
               <a:rPr lang="en-US" smtClean="0"/>
-              <a:t>9/18/2018</a:t>
+              <a:t>9/20/2018</a:t>
             </a:fld>
             <a:endParaRPr lang="en-US"/>
           </a:p>
@@ -2507,7 +2507,7 @@
           <a:p>
             <a:fld id="{5BCAD085-E8A6-8845-BD4E-CB4CCA059FC4}" type="datetimeFigureOut">
               <a:rPr lang="en-US" smtClean="0"/>
-              <a:t>9/18/2018</a:t>
+              <a:t>9/20/2018</a:t>
             </a:fld>
             <a:endParaRPr lang="en-US"/>
           </a:p>
@@ -2720,7 +2720,7 @@
           <a:p>
             <a:fld id="{5BCAD085-E8A6-8845-BD4E-CB4CCA059FC4}" type="datetimeFigureOut">
               <a:rPr lang="en-US" smtClean="0"/>
-              <a:t>9/18/2018</a:t>
+              <a:t>9/20/2018</a:t>
             </a:fld>
             <a:endParaRPr lang="en-US"/>
           </a:p>
@@ -3401,9 +3401,411 @@
           </a:p>
         </p:txBody>
       </p:sp>
+      <p:sp>
+        <p:nvSpPr>
+          <p:cNvPr id="14" name="disaster_text_num"/>
+          <p:cNvSpPr txBox="1"/>
+          <p:nvPr/>
+        </p:nvSpPr>
+        <p:spPr>
+          <a:xfrm>
+            <a:off x="2164080" y="2290106"/>
+            <a:ext cx="597408" cy="369332"/>
+          </a:xfrm>
+          <a:prstGeom prst="rect">
+            <a:avLst/>
+          </a:prstGeom>
+          <a:noFill/>
+        </p:spPr>
+        <p:txBody>
+          <a:bodyPr wrap="square" rtlCol="0" anchor="ctr" anchorCtr="0">
+            <a:spAutoFit/>
+          </a:bodyPr>
+          <a:lstStyle/>
+          <a:p>
+            <a:pPr algn="ctr"/>
+            <a:r>
+              <a:rPr dirty="0"/>
+              <a:t>2</a:t>
+            </a:r>
+          </a:p>
+        </p:txBody>
+      </p:sp>
+      <p:sp>
+        <p:nvSpPr>
+          <p:cNvPr id="15" name="disaster_text_mem"/>
+          <p:cNvSpPr txBox="1"/>
+          <p:nvPr/>
+        </p:nvSpPr>
+        <p:spPr>
+          <a:xfrm>
+            <a:off x="3874195" y="2290850"/>
+            <a:ext cx="590359" cy="369332"/>
+          </a:xfrm>
+          <a:prstGeom prst="rect">
+            <a:avLst/>
+          </a:prstGeom>
+          <a:noFill/>
+        </p:spPr>
+        <p:txBody>
+          <a:bodyPr wrap="square" rtlCol="0">
+            <a:spAutoFit/>
+          </a:bodyPr>
+          <a:lstStyle/>
+          <a:p>
+            <a:pPr algn="ctr"/>
+            <a:r>
+              <a:rPr dirty="0"/>
+              <a:t>32</a:t>
+            </a:r>
+          </a:p>
+        </p:txBody>
+      </p:sp>
+      <p:sp>
+        <p:nvSpPr>
+          <p:cNvPr id="16" name="disaster_text_cpu"/>
+          <p:cNvSpPr txBox="1"/>
+          <p:nvPr/>
+        </p:nvSpPr>
+        <p:spPr>
+          <a:xfrm>
+            <a:off x="5506781" y="2287614"/>
+            <a:ext cx="625795" cy="369332"/>
+          </a:xfrm>
+          <a:prstGeom prst="rect">
+            <a:avLst/>
+          </a:prstGeom>
+          <a:noFill/>
+        </p:spPr>
+        <p:txBody>
+          <a:bodyPr wrap="square" rtlCol="0">
+            <a:spAutoFit/>
+          </a:bodyPr>
+          <a:lstStyle/>
+          <a:p>
+            <a:pPr algn="ctr"/>
+            <a:r>
+              <a:rPr dirty="0"/>
+              <a:t>2</a:t>
+            </a:r>
+          </a:p>
+        </p:txBody>
+      </p:sp>
+      <p:sp>
+        <p:nvSpPr>
+          <p:cNvPr id="17" name="disaster_text_disk"/>
+          <p:cNvSpPr txBox="1"/>
+          <p:nvPr/>
+        </p:nvSpPr>
+        <p:spPr>
+          <a:xfrm>
+            <a:off x="7218044" y="2293600"/>
+            <a:ext cx="789052" cy="369332"/>
+          </a:xfrm>
+          <a:prstGeom prst="rect">
+            <a:avLst/>
+          </a:prstGeom>
+          <a:noFill/>
+        </p:spPr>
+        <p:txBody>
+          <a:bodyPr wrap="square" rtlCol="0">
+            <a:spAutoFit/>
+          </a:bodyPr>
+          <a:lstStyle/>
+          <a:p>
+            <a:pPr algn="ctr"/>
+            <a:r>
+              <a:rPr dirty="0"/>
+              <a:t>20</a:t>
+            </a:r>
+          </a:p>
+        </p:txBody>
+      </p:sp>
+      <p:sp>
+        <p:nvSpPr>
+          <p:cNvPr id="18" name="gray_text_num"/>
+          <p:cNvSpPr txBox="1"/>
+          <p:nvPr/>
+        </p:nvSpPr>
+        <p:spPr>
+          <a:xfrm>
+            <a:off x="2151887" y="3009434"/>
+            <a:ext cx="689509" cy="369332"/>
+          </a:xfrm>
+          <a:prstGeom prst="rect">
+            <a:avLst/>
+          </a:prstGeom>
+          <a:noFill/>
+        </p:spPr>
+        <p:txBody>
+          <a:bodyPr wrap="square" rtlCol="0" anchor="ctr" anchorCtr="0">
+            <a:spAutoFit/>
+          </a:bodyPr>
+          <a:lstStyle/>
+          <a:p>
+            <a:pPr algn="ctr"/>
+            <a:r>
+              <a:rPr dirty="0" smtClean="0"/>
+              <a:t>2</a:t>
+            </a:r>
+            <a:endParaRPr dirty="0"/>
+          </a:p>
+        </p:txBody>
+      </p:sp>
+      <p:sp>
+        <p:nvSpPr>
+          <p:cNvPr id="19" name="gray_text_mem"/>
+          <p:cNvSpPr txBox="1"/>
+          <p:nvPr/>
+        </p:nvSpPr>
+        <p:spPr>
+          <a:xfrm>
+            <a:off x="3862003" y="3010178"/>
+            <a:ext cx="590359" cy="369332"/>
+          </a:xfrm>
+          <a:prstGeom prst="rect">
+            <a:avLst/>
+          </a:prstGeom>
+          <a:noFill/>
+        </p:spPr>
+        <p:txBody>
+          <a:bodyPr wrap="square" rtlCol="0">
+            <a:spAutoFit/>
+          </a:bodyPr>
+          <a:lstStyle/>
+          <a:p>
+            <a:pPr algn="ctr"/>
+            <a:r>
+              <a:rPr dirty="0"/>
+              <a:t>32</a:t>
+            </a:r>
+          </a:p>
+        </p:txBody>
+      </p:sp>
+      <p:sp>
+        <p:nvSpPr>
+          <p:cNvPr id="20" name="gray_text_cpu"/>
+          <p:cNvSpPr txBox="1"/>
+          <p:nvPr/>
+        </p:nvSpPr>
+        <p:spPr>
+          <a:xfrm>
+            <a:off x="5494589" y="3006942"/>
+            <a:ext cx="625795" cy="369332"/>
+          </a:xfrm>
+          <a:prstGeom prst="rect">
+            <a:avLst/>
+          </a:prstGeom>
+          <a:noFill/>
+        </p:spPr>
+        <p:txBody>
+          <a:bodyPr wrap="square" rtlCol="0">
+            <a:spAutoFit/>
+          </a:bodyPr>
+          <a:lstStyle/>
+          <a:p>
+            <a:pPr algn="ctr"/>
+            <a:r>
+              <a:rPr dirty="0"/>
+              <a:t>2</a:t>
+            </a:r>
+          </a:p>
+        </p:txBody>
+      </p:sp>
+      <p:sp>
+        <p:nvSpPr>
+          <p:cNvPr id="21" name="gray_text_disk"/>
+          <p:cNvSpPr txBox="1"/>
+          <p:nvPr/>
+        </p:nvSpPr>
+        <p:spPr>
+          <a:xfrm>
+            <a:off x="7205852" y="3012928"/>
+            <a:ext cx="789052" cy="369332"/>
+          </a:xfrm>
+          <a:prstGeom prst="rect">
+            <a:avLst/>
+          </a:prstGeom>
+          <a:noFill/>
+        </p:spPr>
+        <p:txBody>
+          <a:bodyPr wrap="square" rtlCol="0">
+            <a:spAutoFit/>
+          </a:bodyPr>
+          <a:lstStyle/>
+          <a:p>
+            <a:pPr algn="ctr"/>
+            <a:r>
+              <a:rPr dirty="0"/>
+              <a:t>20</a:t>
+            </a:r>
+          </a:p>
+        </p:txBody>
+      </p:sp>
+      <p:sp>
+        <p:nvSpPr>
+          <p:cNvPr id="22" name="mainten_text_num"/>
+          <p:cNvSpPr txBox="1"/>
+          <p:nvPr/>
+        </p:nvSpPr>
+        <p:spPr>
+          <a:xfrm>
+            <a:off x="2151888" y="3667802"/>
+            <a:ext cx="609600" cy="369332"/>
+          </a:xfrm>
+          <a:prstGeom prst="rect">
+            <a:avLst/>
+          </a:prstGeom>
+          <a:noFill/>
+        </p:spPr>
+        <p:txBody>
+          <a:bodyPr wrap="square" rtlCol="0" anchor="ctr" anchorCtr="0">
+            <a:spAutoFit/>
+          </a:bodyPr>
+          <a:lstStyle/>
+          <a:p>
+            <a:pPr algn="ctr"/>
+            <a:r>
+              <a:rPr dirty="0"/>
+              <a:t>2</a:t>
+            </a:r>
+          </a:p>
+        </p:txBody>
+      </p:sp>
+      <p:sp>
+        <p:nvSpPr>
+          <p:cNvPr id="23" name="mainten_text_mem"/>
+          <p:cNvSpPr txBox="1"/>
+          <p:nvPr/>
+        </p:nvSpPr>
+        <p:spPr>
+          <a:xfrm>
+            <a:off x="3862003" y="3668546"/>
+            <a:ext cx="590359" cy="369332"/>
+          </a:xfrm>
+          <a:prstGeom prst="rect">
+            <a:avLst/>
+          </a:prstGeom>
+          <a:noFill/>
+        </p:spPr>
+        <p:txBody>
+          <a:bodyPr wrap="square" rtlCol="0">
+            <a:spAutoFit/>
+          </a:bodyPr>
+          <a:lstStyle/>
+          <a:p>
+            <a:pPr algn="ctr"/>
+            <a:r>
+              <a:rPr dirty="0"/>
+              <a:t>32</a:t>
+            </a:r>
+          </a:p>
+        </p:txBody>
+      </p:sp>
+      <p:sp>
+        <p:nvSpPr>
+          <p:cNvPr id="24" name="mainten_text_cpu"/>
+          <p:cNvSpPr txBox="1"/>
+          <p:nvPr/>
+        </p:nvSpPr>
+        <p:spPr>
+          <a:xfrm>
+            <a:off x="5494589" y="3665310"/>
+            <a:ext cx="625795" cy="369332"/>
+          </a:xfrm>
+          <a:prstGeom prst="rect">
+            <a:avLst/>
+          </a:prstGeom>
+          <a:noFill/>
+        </p:spPr>
+        <p:txBody>
+          <a:bodyPr wrap="square" rtlCol="0">
+            <a:spAutoFit/>
+          </a:bodyPr>
+          <a:lstStyle/>
+          <a:p>
+            <a:pPr algn="ctr"/>
+            <a:r>
+              <a:rPr dirty="0"/>
+              <a:t>2</a:t>
+            </a:r>
+          </a:p>
+        </p:txBody>
+      </p:sp>
+      <p:sp>
+        <p:nvSpPr>
+          <p:cNvPr id="25" name="mainten_text_disk"/>
+          <p:cNvSpPr txBox="1"/>
+          <p:nvPr/>
+        </p:nvSpPr>
+        <p:spPr>
+          <a:xfrm>
+            <a:off x="7205852" y="3671296"/>
+            <a:ext cx="789052" cy="369332"/>
+          </a:xfrm>
+          <a:prstGeom prst="rect">
+            <a:avLst/>
+          </a:prstGeom>
+          <a:noFill/>
+        </p:spPr>
+        <p:txBody>
+          <a:bodyPr wrap="square" rtlCol="0">
+            <a:spAutoFit/>
+          </a:bodyPr>
+          <a:lstStyle/>
+          <a:p>
+            <a:pPr algn="ctr"/>
+            <a:r>
+              <a:rPr dirty="0" smtClean="0"/>
+              <a:t>20</a:t>
+            </a:r>
+            <a:endParaRPr dirty="0"/>
+          </a:p>
+        </p:txBody>
+      </p:sp>
+      <p:sp>
+        <p:nvSpPr>
+          <p:cNvPr id="26" name="level"/>
+          <p:cNvSpPr txBox="1"/>
+          <p:nvPr/>
+        </p:nvSpPr>
+        <p:spPr>
+          <a:xfrm>
+            <a:off x="355183" y="4177734"/>
+            <a:ext cx="6727127" cy="461665"/>
+          </a:xfrm>
+          <a:prstGeom prst="rect">
+            <a:avLst/>
+          </a:prstGeom>
+          <a:noFill/>
+        </p:spPr>
+        <p:txBody>
+          <a:bodyPr wrap="square" rtlCol="0" anchor="ctr" anchorCtr="0">
+            <a:spAutoFit/>
+          </a:bodyPr>
+          <a:lstStyle/>
+          <a:p>
+            <a:r>
+              <a:rPr lang="zh-CN" altLang="en-US" sz="2400" b="1" dirty="0">
+                <a:latin typeface="楷体" panose="02010609060101010101" pitchFamily="49" charset="-122"/>
+                <a:ea typeface="楷体" panose="02010609060101010101" pitchFamily="49" charset="-122"/>
+              </a:rPr>
+              <a:t>评级</a:t>
+            </a:r>
+            <a:r>
+              <a:rPr lang="en-US" altLang="zh-CN" sz="2400" b="1" dirty="0" smtClean="0">
+                <a:latin typeface="楷体" panose="02010609060101010101" pitchFamily="49" charset="-122"/>
+                <a:ea typeface="楷体" panose="02010609060101010101" pitchFamily="49" charset="-122"/>
+              </a:rPr>
+              <a:t>:</a:t>
+            </a:r>
+            <a:endParaRPr dirty="0"/>
+          </a:p>
+        </p:txBody>
+      </p:sp>
       <p:pic>
         <p:nvPicPr>
-          <p:cNvPr id="1030" name="Picture 6"/>
+          <p:cNvPr id="1026" name="Picture 2"/>
           <p:cNvPicPr>
             <a:picLocks noChangeAspect="1" noChangeArrowheads="1"/>
           </p:cNvPicPr>
@@ -3424,8 +3826,8 @@
         </p:blipFill>
         <p:spPr bwMode="auto">
           <a:xfrm>
-            <a:off x="421000" y="4733106"/>
-            <a:ext cx="4840795" cy="2033454"/>
+            <a:off x="429834" y="4614591"/>
+            <a:ext cx="4611724" cy="2139220"/>
           </a:xfrm>
           <a:prstGeom prst="rect">
             <a:avLst/>
@@ -3455,408 +3857,6 @@
           </a:extLst>
         </p:spPr>
       </p:pic>
-      <p:sp>
-        <p:nvSpPr>
-          <p:cNvPr id="14" name="disaster_text_num"/>
-          <p:cNvSpPr txBox="1"/>
-          <p:nvPr/>
-        </p:nvSpPr>
-        <p:spPr>
-          <a:xfrm>
-            <a:off x="2164080" y="2290106"/>
-            <a:ext cx="597408" cy="369332"/>
-          </a:xfrm>
-          <a:prstGeom prst="rect">
-            <a:avLst/>
-          </a:prstGeom>
-          <a:noFill/>
-        </p:spPr>
-        <p:txBody>
-          <a:bodyPr wrap="square" rtlCol="0" anchor="ctr" anchorCtr="0">
-            <a:spAutoFit/>
-          </a:bodyPr>
-          <a:lstStyle/>
-          <a:p>
-            <a:pPr algn="ctr"/>
-            <a:r>
-              <a:rPr dirty="0"/>
-              <a:t>2</a:t>
-            </a:r>
-          </a:p>
-        </p:txBody>
-      </p:sp>
-      <p:sp>
-        <p:nvSpPr>
-          <p:cNvPr id="15" name="disaster_text_mem"/>
-          <p:cNvSpPr txBox="1"/>
-          <p:nvPr/>
-        </p:nvSpPr>
-        <p:spPr>
-          <a:xfrm>
-            <a:off x="3874195" y="2290850"/>
-            <a:ext cx="590359" cy="369332"/>
-          </a:xfrm>
-          <a:prstGeom prst="rect">
-            <a:avLst/>
-          </a:prstGeom>
-          <a:noFill/>
-        </p:spPr>
-        <p:txBody>
-          <a:bodyPr wrap="square" rtlCol="0">
-            <a:spAutoFit/>
-          </a:bodyPr>
-          <a:lstStyle/>
-          <a:p>
-            <a:pPr algn="ctr"/>
-            <a:r>
-              <a:rPr dirty="0"/>
-              <a:t>32</a:t>
-            </a:r>
-          </a:p>
-        </p:txBody>
-      </p:sp>
-      <p:sp>
-        <p:nvSpPr>
-          <p:cNvPr id="16" name="disaster_text_cpu"/>
-          <p:cNvSpPr txBox="1"/>
-          <p:nvPr/>
-        </p:nvSpPr>
-        <p:spPr>
-          <a:xfrm>
-            <a:off x="5506781" y="2287614"/>
-            <a:ext cx="625795" cy="369332"/>
-          </a:xfrm>
-          <a:prstGeom prst="rect">
-            <a:avLst/>
-          </a:prstGeom>
-          <a:noFill/>
-        </p:spPr>
-        <p:txBody>
-          <a:bodyPr wrap="square" rtlCol="0">
-            <a:spAutoFit/>
-          </a:bodyPr>
-          <a:lstStyle/>
-          <a:p>
-            <a:pPr algn="ctr"/>
-            <a:r>
-              <a:rPr dirty="0"/>
-              <a:t>2</a:t>
-            </a:r>
-          </a:p>
-        </p:txBody>
-      </p:sp>
-      <p:sp>
-        <p:nvSpPr>
-          <p:cNvPr id="17" name="disaster_text_disk"/>
-          <p:cNvSpPr txBox="1"/>
-          <p:nvPr/>
-        </p:nvSpPr>
-        <p:spPr>
-          <a:xfrm>
-            <a:off x="7218044" y="2293600"/>
-            <a:ext cx="789052" cy="369332"/>
-          </a:xfrm>
-          <a:prstGeom prst="rect">
-            <a:avLst/>
-          </a:prstGeom>
-          <a:noFill/>
-        </p:spPr>
-        <p:txBody>
-          <a:bodyPr wrap="square" rtlCol="0">
-            <a:spAutoFit/>
-          </a:bodyPr>
-          <a:lstStyle/>
-          <a:p>
-            <a:pPr algn="ctr"/>
-            <a:r>
-              <a:rPr dirty="0"/>
-              <a:t>20</a:t>
-            </a:r>
-          </a:p>
-        </p:txBody>
-      </p:sp>
-      <p:sp>
-        <p:nvSpPr>
-          <p:cNvPr id="18" name="gray_text_num"/>
-          <p:cNvSpPr txBox="1"/>
-          <p:nvPr/>
-        </p:nvSpPr>
-        <p:spPr>
-          <a:xfrm>
-            <a:off x="2151887" y="3009434"/>
-            <a:ext cx="689509" cy="369332"/>
-          </a:xfrm>
-          <a:prstGeom prst="rect">
-            <a:avLst/>
-          </a:prstGeom>
-          <a:noFill/>
-        </p:spPr>
-        <p:txBody>
-          <a:bodyPr wrap="square" rtlCol="0" anchor="ctr" anchorCtr="0">
-            <a:spAutoFit/>
-          </a:bodyPr>
-          <a:lstStyle/>
-          <a:p>
-            <a:pPr algn="ctr"/>
-            <a:r>
-              <a:rPr dirty="0" smtClean="0"/>
-              <a:t>2</a:t>
-            </a:r>
-            <a:endParaRPr dirty="0"/>
-          </a:p>
-        </p:txBody>
-      </p:sp>
-      <p:sp>
-        <p:nvSpPr>
-          <p:cNvPr id="19" name="gray_text_mem"/>
-          <p:cNvSpPr txBox="1"/>
-          <p:nvPr/>
-        </p:nvSpPr>
-        <p:spPr>
-          <a:xfrm>
-            <a:off x="3862003" y="3010178"/>
-            <a:ext cx="590359" cy="369332"/>
-          </a:xfrm>
-          <a:prstGeom prst="rect">
-            <a:avLst/>
-          </a:prstGeom>
-          <a:noFill/>
-        </p:spPr>
-        <p:txBody>
-          <a:bodyPr wrap="square" rtlCol="0">
-            <a:spAutoFit/>
-          </a:bodyPr>
-          <a:lstStyle/>
-          <a:p>
-            <a:pPr algn="ctr"/>
-            <a:r>
-              <a:rPr dirty="0"/>
-              <a:t>32</a:t>
-            </a:r>
-          </a:p>
-        </p:txBody>
-      </p:sp>
-      <p:sp>
-        <p:nvSpPr>
-          <p:cNvPr id="20" name="gray_text_cpu"/>
-          <p:cNvSpPr txBox="1"/>
-          <p:nvPr/>
-        </p:nvSpPr>
-        <p:spPr>
-          <a:xfrm>
-            <a:off x="5494589" y="3006942"/>
-            <a:ext cx="625795" cy="369332"/>
-          </a:xfrm>
-          <a:prstGeom prst="rect">
-            <a:avLst/>
-          </a:prstGeom>
-          <a:noFill/>
-        </p:spPr>
-        <p:txBody>
-          <a:bodyPr wrap="square" rtlCol="0">
-            <a:spAutoFit/>
-          </a:bodyPr>
-          <a:lstStyle/>
-          <a:p>
-            <a:pPr algn="ctr"/>
-            <a:r>
-              <a:rPr dirty="0"/>
-              <a:t>2</a:t>
-            </a:r>
-          </a:p>
-        </p:txBody>
-      </p:sp>
-      <p:sp>
-        <p:nvSpPr>
-          <p:cNvPr id="21" name="gray_text_disk"/>
-          <p:cNvSpPr txBox="1"/>
-          <p:nvPr/>
-        </p:nvSpPr>
-        <p:spPr>
-          <a:xfrm>
-            <a:off x="7205852" y="3012928"/>
-            <a:ext cx="789052" cy="369332"/>
-          </a:xfrm>
-          <a:prstGeom prst="rect">
-            <a:avLst/>
-          </a:prstGeom>
-          <a:noFill/>
-        </p:spPr>
-        <p:txBody>
-          <a:bodyPr wrap="square" rtlCol="0">
-            <a:spAutoFit/>
-          </a:bodyPr>
-          <a:lstStyle/>
-          <a:p>
-            <a:pPr algn="ctr"/>
-            <a:r>
-              <a:rPr dirty="0"/>
-              <a:t>20</a:t>
-            </a:r>
-          </a:p>
-        </p:txBody>
-      </p:sp>
-      <p:sp>
-        <p:nvSpPr>
-          <p:cNvPr id="22" name="mainten_text_num"/>
-          <p:cNvSpPr txBox="1"/>
-          <p:nvPr/>
-        </p:nvSpPr>
-        <p:spPr>
-          <a:xfrm>
-            <a:off x="2151888" y="3667802"/>
-            <a:ext cx="609600" cy="369332"/>
-          </a:xfrm>
-          <a:prstGeom prst="rect">
-            <a:avLst/>
-          </a:prstGeom>
-          <a:noFill/>
-        </p:spPr>
-        <p:txBody>
-          <a:bodyPr wrap="square" rtlCol="0" anchor="ctr" anchorCtr="0">
-            <a:spAutoFit/>
-          </a:bodyPr>
-          <a:lstStyle/>
-          <a:p>
-            <a:pPr algn="ctr"/>
-            <a:r>
-              <a:rPr dirty="0"/>
-              <a:t>2</a:t>
-            </a:r>
-          </a:p>
-        </p:txBody>
-      </p:sp>
-      <p:sp>
-        <p:nvSpPr>
-          <p:cNvPr id="23" name="mainten_text_mem"/>
-          <p:cNvSpPr txBox="1"/>
-          <p:nvPr/>
-        </p:nvSpPr>
-        <p:spPr>
-          <a:xfrm>
-            <a:off x="3862003" y="3668546"/>
-            <a:ext cx="590359" cy="369332"/>
-          </a:xfrm>
-          <a:prstGeom prst="rect">
-            <a:avLst/>
-          </a:prstGeom>
-          <a:noFill/>
-        </p:spPr>
-        <p:txBody>
-          <a:bodyPr wrap="square" rtlCol="0">
-            <a:spAutoFit/>
-          </a:bodyPr>
-          <a:lstStyle/>
-          <a:p>
-            <a:pPr algn="ctr"/>
-            <a:r>
-              <a:rPr dirty="0"/>
-              <a:t>32</a:t>
-            </a:r>
-          </a:p>
-        </p:txBody>
-      </p:sp>
-      <p:sp>
-        <p:nvSpPr>
-          <p:cNvPr id="24" name="mainten_text_cpu"/>
-          <p:cNvSpPr txBox="1"/>
-          <p:nvPr/>
-        </p:nvSpPr>
-        <p:spPr>
-          <a:xfrm>
-            <a:off x="5494589" y="3665310"/>
-            <a:ext cx="625795" cy="369332"/>
-          </a:xfrm>
-          <a:prstGeom prst="rect">
-            <a:avLst/>
-          </a:prstGeom>
-          <a:noFill/>
-        </p:spPr>
-        <p:txBody>
-          <a:bodyPr wrap="square" rtlCol="0">
-            <a:spAutoFit/>
-          </a:bodyPr>
-          <a:lstStyle/>
-          <a:p>
-            <a:pPr algn="ctr"/>
-            <a:r>
-              <a:rPr dirty="0"/>
-              <a:t>2</a:t>
-            </a:r>
-          </a:p>
-        </p:txBody>
-      </p:sp>
-      <p:sp>
-        <p:nvSpPr>
-          <p:cNvPr id="25" name="mainten_text_disk"/>
-          <p:cNvSpPr txBox="1"/>
-          <p:nvPr/>
-        </p:nvSpPr>
-        <p:spPr>
-          <a:xfrm>
-            <a:off x="7205852" y="3671296"/>
-            <a:ext cx="789052" cy="369332"/>
-          </a:xfrm>
-          <a:prstGeom prst="rect">
-            <a:avLst/>
-          </a:prstGeom>
-          <a:noFill/>
-        </p:spPr>
-        <p:txBody>
-          <a:bodyPr wrap="square" rtlCol="0">
-            <a:spAutoFit/>
-          </a:bodyPr>
-          <a:lstStyle/>
-          <a:p>
-            <a:pPr algn="ctr"/>
-            <a:r>
-              <a:rPr dirty="0" smtClean="0"/>
-              <a:t>20</a:t>
-            </a:r>
-            <a:endParaRPr dirty="0"/>
-          </a:p>
-        </p:txBody>
-      </p:sp>
-      <p:sp>
-        <p:nvSpPr>
-          <p:cNvPr id="26" name="level"/>
-          <p:cNvSpPr txBox="1"/>
-          <p:nvPr/>
-        </p:nvSpPr>
-        <p:spPr>
-          <a:xfrm>
-            <a:off x="355183" y="4177734"/>
-            <a:ext cx="6727127" cy="461665"/>
-          </a:xfrm>
-          <a:prstGeom prst="rect">
-            <a:avLst/>
-          </a:prstGeom>
-          <a:noFill/>
-        </p:spPr>
-        <p:txBody>
-          <a:bodyPr wrap="square" rtlCol="0" anchor="ctr" anchorCtr="0">
-            <a:spAutoFit/>
-          </a:bodyPr>
-          <a:lstStyle/>
-          <a:p>
-            <a:r>
-              <a:rPr lang="zh-CN" altLang="en-US" sz="2400" b="1" dirty="0">
-                <a:latin typeface="楷体" panose="02010609060101010101" pitchFamily="49" charset="-122"/>
-                <a:ea typeface="楷体" panose="02010609060101010101" pitchFamily="49" charset="-122"/>
-              </a:rPr>
-              <a:t>评级</a:t>
-            </a:r>
-            <a:r>
-              <a:rPr lang="en-US" altLang="zh-CN" sz="2400" b="1" dirty="0" smtClean="0">
-                <a:latin typeface="楷体" panose="02010609060101010101" pitchFamily="49" charset="-122"/>
-                <a:ea typeface="楷体" panose="02010609060101010101" pitchFamily="49" charset="-122"/>
-              </a:rPr>
-              <a:t>:</a:t>
-            </a:r>
-            <a:endParaRPr dirty="0"/>
-          </a:p>
-        </p:txBody>
-      </p:sp>
     </p:spTree>
   </p:cSld>
   <p:clrMapOvr>
